--- a/secondary-research/posters/CNS_research-poster-template_42x56in.pptx
+++ b/secondary-research/posters/CNS_research-poster-template_42x56in.pptx
@@ -4856,7 +4856,7 @@
                 <a:latin typeface="Neue Haas Grotesk Text Pro" panose="020B0504020202020204" pitchFamily="34" charset="0"/>
                 <a:cs typeface="Arial" panose="020B0604020202020204" pitchFamily="34" charset="0"/>
               </a:rPr>
-              <a:t>, Steven Finkelstein</a:t>
+              <a:t>, Oscar Chavez</a:t>
             </a:r>
             <a:r>
               <a:rPr lang="en-US" sz="6600" b="1" baseline="30000" dirty="0">
@@ -4870,7 +4870,7 @@
                 <a:latin typeface="Neue Haas Grotesk Text Pro" panose="020B0504020202020204" pitchFamily="34" charset="0"/>
                 <a:cs typeface="Arial" panose="020B0604020202020204" pitchFamily="34" charset="0"/>
               </a:rPr>
-              <a:t>, Oscar Chavez</a:t>
+              <a:t>, Gene Leung</a:t>
             </a:r>
             <a:r>
               <a:rPr lang="en-US" sz="6600" b="1" baseline="30000" dirty="0">
@@ -4884,7 +4884,7 @@
                 <a:latin typeface="Neue Haas Grotesk Text Pro" panose="020B0504020202020204" pitchFamily="34" charset="0"/>
                 <a:cs typeface="Arial" panose="020B0604020202020204" pitchFamily="34" charset="0"/>
               </a:rPr>
-              <a:t>, Gene Leung</a:t>
+              <a:t>, Steven Finkelstein</a:t>
             </a:r>
             <a:r>
               <a:rPr lang="en-US" sz="6600" b="1" baseline="30000" dirty="0">
@@ -5031,7 +5031,7 @@
         </p:blipFill>
         <p:spPr>
           <a:xfrm>
-            <a:off x="34520221" y="2913693"/>
+            <a:off x="35140837" y="3568041"/>
             <a:ext cx="2893980" cy="3428188"/>
           </a:xfrm>
           <a:prstGeom prst="rect">
@@ -5344,7 +5344,7 @@
         </p:blipFill>
         <p:spPr>
           <a:xfrm>
-            <a:off x="27691646" y="25897846"/>
+            <a:off x="18761916" y="25906761"/>
             <a:ext cx="8896181" cy="5271427"/>
           </a:xfrm>
           <a:prstGeom prst="rect">
@@ -5411,7 +5411,7 @@
         </p:blipFill>
         <p:spPr bwMode="auto">
           <a:xfrm>
-            <a:off x="14327820" y="22878640"/>
+            <a:off x="14294271" y="15901337"/>
             <a:ext cx="13363826" cy="8742104"/>
           </a:xfrm>
           <a:prstGeom prst="rect">
